--- a/Livrables/Brewery and Co.pptx
+++ b/Livrables/Brewery and Co.pptx
@@ -2865,7 +2865,7 @@
           <a:p>
             <a:fld id="{76B3F2C8-1B63-984A-8C9D-2402B4577158}" type="datetimeFigureOut">
               <a:rPr lang="fr-FR" smtClean="0"/>
-              <a:t>16/06/2016</a:t>
+              <a:t>28/06/2016</a:t>
             </a:fld>
             <a:endParaRPr lang="fr-FR"/>
           </a:p>
@@ -3030,7 +3030,7 @@
           <a:p>
             <a:fld id="{FA4CF6AE-097E-314A-AF67-34E683B9D313}" type="datetimeFigureOut">
               <a:rPr lang="fr-FR" smtClean="0"/>
-              <a:t>16/06/2016</a:t>
+              <a:t>28/06/2016</a:t>
             </a:fld>
             <a:endParaRPr lang="fr-FR"/>
           </a:p>
@@ -9191,8 +9191,29 @@
             <a:pPr lvl="1"/>
             <a:r>
               <a:rPr lang="fr-FR" dirty="0" smtClean="0"/>
-              <a:t>Pour rappel : 27’792 kilogrammes de matières première et 72’000 unités </a:t>
-            </a:r>
+              <a:t>Pour rappel : </a:t>
+            </a:r>
+            <a:r>
+              <a:rPr lang="fr-FR" dirty="0" smtClean="0"/>
+              <a:t>1’719 </a:t>
+            </a:r>
+            <a:r>
+              <a:rPr lang="fr-FR" dirty="0" smtClean="0"/>
+              <a:t>kilogrammes de matières </a:t>
+            </a:r>
+            <a:r>
+              <a:rPr lang="fr-FR" dirty="0" smtClean="0"/>
+              <a:t>première,  120 m3 d’eau </a:t>
+            </a:r>
+            <a:r>
+              <a:rPr lang="fr-FR" dirty="0" smtClean="0"/>
+              <a:t>et </a:t>
+            </a:r>
+            <a:r>
+              <a:rPr lang="fr-FR" dirty="0" smtClean="0"/>
+              <a:t>50’000 unités cannettes ou bouteilles</a:t>
+            </a:r>
+            <a:endParaRPr lang="fr-FR" dirty="0" smtClean="0"/>
           </a:p>
           <a:p>
             <a:r>
@@ -9220,14 +9241,30 @@
             <a:pPr lvl="1"/>
             <a:r>
               <a:rPr lang="fr-FR" dirty="0" smtClean="0"/>
-              <a:t>5’000 kilogrammes sont facturés à 200.- CHF/jour</a:t>
+              <a:t>10 </a:t>
+            </a:r>
+            <a:r>
+              <a:rPr lang="fr-FR" dirty="0" smtClean="0"/>
+              <a:t>kilogrammes sont facturés à </a:t>
+            </a:r>
+            <a:r>
+              <a:rPr lang="fr-FR" dirty="0" smtClean="0"/>
+              <a:t>100</a:t>
+            </a:r>
+            <a:r>
+              <a:rPr lang="fr-FR" dirty="0" smtClean="0"/>
+              <a:t>.- CHF/jour</a:t>
             </a:r>
           </a:p>
           <a:p>
             <a:pPr lvl="1"/>
             <a:r>
               <a:rPr lang="fr-FR" dirty="0" smtClean="0"/>
-              <a:t>10’000 unités sont facturées au prix de 200.- CHF/jour</a:t>
+              <a:t>12’000 </a:t>
+            </a:r>
+            <a:r>
+              <a:rPr lang="fr-FR" dirty="0" smtClean="0"/>
+              <a:t>unités sont facturées au prix de 200.- CHF/jour</a:t>
             </a:r>
             <a:endParaRPr lang="fr-FR" dirty="0"/>
           </a:p>
@@ -9338,18 +9375,26 @@
           <a:p>
             <a:r>
               <a:rPr lang="fr-FR" dirty="0" smtClean="0"/>
-              <a:t>Main d’œuvre directe 2 personnes :</a:t>
+              <a:t>Main d’œuvre directe </a:t>
+            </a:r>
+            <a:r>
+              <a:rPr lang="fr-FR" dirty="0" smtClean="0"/>
+              <a:t>1 </a:t>
+            </a:r>
+            <a:r>
+              <a:rPr lang="fr-FR" dirty="0" smtClean="0"/>
+              <a:t>personnes :</a:t>
             </a:r>
           </a:p>
           <a:p>
             <a:pPr lvl="1"/>
             <a:r>
-              <a:rPr lang="fr-FR" dirty="0"/>
-              <a:t>C</a:t>
-            </a:r>
-            <a:r>
               <a:rPr lang="fr-FR" dirty="0" smtClean="0"/>
-              <a:t>ollaborateurs responsables du bon fonctionnement des lignes de production (technique, révision et hygiène)</a:t>
+              <a:t>Collaborateur responsable </a:t>
+            </a:r>
+            <a:r>
+              <a:rPr lang="fr-FR" dirty="0" smtClean="0"/>
+              <a:t>du bon fonctionnement des lignes de production (technique, révision et hygiène)</a:t>
             </a:r>
           </a:p>
           <a:p>
@@ -9485,14 +9530,30 @@
           </a:p>
           <a:p>
             <a:r>
+              <a:rPr lang="fr-FR" dirty="0"/>
+              <a:t>5</a:t>
+            </a:r>
+            <a:r>
               <a:rPr lang="fr-FR" dirty="0" smtClean="0"/>
-              <a:t>10’000.- CHF pour la main d’œuvre direct</a:t>
-            </a:r>
-          </a:p>
-          <a:p>
+              <a:t>’000</a:t>
+            </a:r>
             <a:r>
               <a:rPr lang="fr-FR" dirty="0" smtClean="0"/>
-              <a:t>25’000.- CHF pour les SG&amp;A (ventes, généraux et administratifs)</a:t>
+              <a:t>.- CHF pour la main d’œuvre direct</a:t>
+            </a:r>
+          </a:p>
+          <a:p>
+            <a:r>
+              <a:rPr lang="fr-FR" dirty="0" smtClean="0"/>
+              <a:t>30</a:t>
+            </a:r>
+            <a:r>
+              <a:rPr lang="fr-FR" dirty="0" smtClean="0"/>
+              <a:t>’000</a:t>
+            </a:r>
+            <a:r>
+              <a:rPr lang="fr-FR" dirty="0" smtClean="0"/>
+              <a:t>.- CHF pour les SG&amp;A (ventes, généraux et administratifs)</a:t>
             </a:r>
           </a:p>
           <a:p>
@@ -16422,19 +16483,7 @@
           <a:p>
             <a:r>
               <a:rPr lang="fr-FR" dirty="0" smtClean="0"/>
-              <a:t>Durant l’année </a:t>
-            </a:r>
-            <a:r>
-              <a:rPr lang="fr-FR" dirty="0" smtClean="0"/>
-              <a:t>le volume de </a:t>
-            </a:r>
-            <a:r>
-              <a:rPr lang="fr-FR" dirty="0" smtClean="0"/>
-              <a:t>demande </a:t>
-            </a:r>
-            <a:r>
-              <a:rPr lang="fr-FR" dirty="0" smtClean="0"/>
-              <a:t>évolue :</a:t>
+              <a:t>Durant l’année le volume de demande évolue :</a:t>
             </a:r>
           </a:p>
           <a:p>
@@ -18739,7 +18788,12 @@
             <p:ph sz="quarter" idx="10"/>
           </p:nvPr>
         </p:nvSpPr>
-        <p:spPr/>
+        <p:spPr>
+          <a:xfrm>
+            <a:off x="838200" y="1811337"/>
+            <a:ext cx="10515600" cy="4441495"/>
+          </a:xfrm>
+        </p:spPr>
         <p:txBody>
           <a:bodyPr>
             <a:normAutofit fontScale="85000" lnSpcReduction="20000"/>
@@ -18766,27 +18820,42 @@
             <a:pPr lvl="1"/>
             <a:r>
               <a:rPr lang="fr-FR" dirty="0" smtClean="0"/>
-              <a:t>Valeur de 150’000.- CHF par ligne</a:t>
-            </a:r>
+              <a:t>Valeur de </a:t>
+            </a:r>
+            <a:r>
+              <a:rPr lang="fr-FR" dirty="0" smtClean="0"/>
+              <a:t>450’000.-</a:t>
+            </a:r>
+            <a:endParaRPr lang="fr-FR" dirty="0" smtClean="0"/>
           </a:p>
           <a:p>
             <a:pPr lvl="1"/>
             <a:r>
               <a:rPr lang="fr-FR" dirty="0" smtClean="0"/>
-              <a:t>Capacité mensuelle de 12’000 litres totales</a:t>
-            </a:r>
+              <a:t>12’000 litres productibles mensuellement</a:t>
+            </a:r>
+            <a:endParaRPr lang="fr-FR" dirty="0" smtClean="0"/>
           </a:p>
           <a:p>
             <a:r>
               <a:rPr lang="fr-CH" dirty="0" smtClean="0"/>
-              <a:t>Entrepôt matières premières de 27’792 kg</a:t>
-            </a:r>
+              <a:t>Entrepôt </a:t>
+            </a:r>
+            <a:r>
+              <a:rPr lang="fr-CH" dirty="0" smtClean="0"/>
+              <a:t>A</a:t>
+            </a:r>
+            <a:endParaRPr lang="fr-CH" dirty="0" smtClean="0"/>
           </a:p>
           <a:p>
             <a:pPr lvl="1"/>
             <a:r>
               <a:rPr lang="fr-CH" dirty="0" smtClean="0"/>
-              <a:t>Une bassine d’eau pure de 24 m</a:t>
+              <a:t>Une bassine d’eau pure de </a:t>
+            </a:r>
+            <a:r>
+              <a:rPr lang="fr-CH" dirty="0" smtClean="0"/>
+              <a:t>120 m</a:t>
             </a:r>
             <a:r>
               <a:rPr lang="fr-CH" baseline="30000" dirty="0" smtClean="0"/>
@@ -18796,47 +18865,91 @@
               <a:rPr lang="fr-CH" dirty="0" smtClean="0"/>
               <a:t> </a:t>
             </a:r>
+            <a:endParaRPr lang="fr-CH" dirty="0" smtClean="0"/>
           </a:p>
           <a:p>
             <a:pPr lvl="1"/>
             <a:r>
               <a:rPr lang="fr-CH" dirty="0" smtClean="0"/>
-              <a:t>Réceptacle à malts de 3 tonnes chacun</a:t>
-            </a:r>
+              <a:t>4 r</a:t>
+            </a:r>
+            <a:r>
+              <a:rPr lang="fr-CH" dirty="0" smtClean="0"/>
+              <a:t>éceptacles </a:t>
+            </a:r>
+            <a:r>
+              <a:rPr lang="fr-CH" dirty="0" smtClean="0"/>
+              <a:t>à malts de </a:t>
+            </a:r>
+            <a:r>
+              <a:rPr lang="fr-CH" dirty="0" smtClean="0"/>
+              <a:t>350 kg chaque</a:t>
+            </a:r>
+            <a:endParaRPr lang="fr-CH" dirty="0" smtClean="0"/>
           </a:p>
           <a:p>
             <a:pPr lvl="1"/>
             <a:r>
               <a:rPr lang="fr-CH" dirty="0" smtClean="0"/>
-              <a:t>Réceptacle à houblon de 48 kilogrammes</a:t>
+              <a:t>4 réceptacles </a:t>
+            </a:r>
+            <a:r>
+              <a:rPr lang="fr-CH" dirty="0" smtClean="0"/>
+              <a:t>à houblon </a:t>
+            </a:r>
+            <a:r>
+              <a:rPr lang="fr-CH" dirty="0" smtClean="0"/>
+              <a:t>de 6 kg chaque</a:t>
             </a:r>
           </a:p>
           <a:p>
             <a:pPr lvl="1"/>
             <a:r>
               <a:rPr lang="fr-CH" dirty="0" smtClean="0"/>
-              <a:t>Réceptacle à levure de 144 kilogrammes</a:t>
+              <a:t>1 réceptacle </a:t>
+            </a:r>
+            <a:r>
+              <a:rPr lang="fr-CH" dirty="0" smtClean="0"/>
+              <a:t>à levure de </a:t>
+            </a:r>
+            <a:r>
+              <a:rPr lang="fr-CH" dirty="0" smtClean="0"/>
+              <a:t>70 kg</a:t>
             </a:r>
           </a:p>
           <a:p>
             <a:pPr lvl="1"/>
             <a:r>
+              <a:rPr lang="fr-CH" dirty="0"/>
+              <a:t>1 réceptacle à épices de 150 </a:t>
+            </a:r>
+            <a:r>
               <a:rPr lang="fr-CH" dirty="0" smtClean="0"/>
-              <a:t>Réceptacle à miel de 200 kilogrammes</a:t>
-            </a:r>
+              <a:t>kg</a:t>
+            </a:r>
+            <a:endParaRPr lang="fr-CH" dirty="0" smtClean="0"/>
           </a:p>
           <a:p>
             <a:pPr lvl="1"/>
             <a:r>
               <a:rPr lang="fr-CH" dirty="0" smtClean="0"/>
-              <a:t>Réceptacle à épices de 400 kilogrammes</a:t>
-            </a:r>
-          </a:p>
-          <a:p>
+              <a:t>1 étagère permettant de stocker 75 pots de miel</a:t>
+            </a:r>
+          </a:p>
+          <a:p>
+            <a:pPr lvl="1"/>
             <a:r>
               <a:rPr lang="fr-CH" dirty="0" smtClean="0"/>
-              <a:t>Entrepôt produits finis de 72’000 unités</a:t>
-            </a:r>
+              <a:t>1 étagère permettant d’accueillir 25’000 récipients vides</a:t>
+            </a:r>
+            <a:endParaRPr lang="fr-CH" dirty="0" smtClean="0"/>
+          </a:p>
+          <a:p>
+            <a:r>
+              <a:rPr lang="fr-CH" dirty="0" smtClean="0"/>
+              <a:t>Entrepôt B d’une capacité de 50’000 unités</a:t>
+            </a:r>
+            <a:endParaRPr lang="fr-CH" dirty="0" smtClean="0"/>
           </a:p>
           <a:p>
             <a:r>
@@ -19749,16 +19862,8 @@
           <a:lstStyle/>
           <a:p>
             <a:r>
-              <a:rPr lang="fr-FR" dirty="0" err="1" smtClean="0"/>
-              <a:t>Cha</a:t>
-            </a:r>
-            <a:r>
-              <a:rPr lang="fr-CH" dirty="0" err="1" smtClean="0"/>
-              <a:t>îne</a:t>
-            </a:r>
-            <a:r>
-              <a:rPr lang="fr-CH" dirty="0" smtClean="0"/>
-              <a:t> de valeur</a:t>
+              <a:rPr lang="fr-FR" smtClean="0"/>
+              <a:t>Production</a:t>
             </a:r>
             <a:endParaRPr lang="fr-FR" dirty="0"/>
           </a:p>
@@ -19802,21 +19907,53 @@
           <a:p>
             <a:r>
               <a:rPr lang="fr-FR" dirty="0" smtClean="0"/>
-              <a:t>Chaque semaine vos lignes produisent 4’000 litres de bière</a:t>
+              <a:t>Chaque semaine vos lignes produisent </a:t>
+            </a:r>
+            <a:r>
+              <a:rPr lang="fr-FR" dirty="0" smtClean="0"/>
+              <a:t>3’000 </a:t>
+            </a:r>
+            <a:r>
+              <a:rPr lang="fr-FR" dirty="0" smtClean="0"/>
+              <a:t>litres de bière</a:t>
             </a:r>
           </a:p>
           <a:p>
             <a:pPr lvl="1"/>
             <a:r>
               <a:rPr lang="fr-FR" dirty="0" smtClean="0"/>
-              <a:t>Capacité totale de vos trois lignes : 12’000 litres</a:t>
+              <a:t>Capacité totale de vos trois lignes : </a:t>
+            </a:r>
+            <a:r>
+              <a:rPr lang="fr-FR" dirty="0"/>
+              <a:t>9</a:t>
+            </a:r>
+            <a:r>
+              <a:rPr lang="fr-FR" dirty="0" smtClean="0"/>
+              <a:t>’000 </a:t>
+            </a:r>
+            <a:r>
+              <a:rPr lang="fr-FR" dirty="0" smtClean="0"/>
+              <a:t>litres</a:t>
             </a:r>
           </a:p>
           <a:p>
             <a:pPr lvl="1"/>
             <a:r>
               <a:rPr lang="fr-FR" dirty="0" smtClean="0"/>
-              <a:t>24’000 cannettes ou 48’000 bouteilles</a:t>
+              <a:t>18’000 </a:t>
+            </a:r>
+            <a:r>
+              <a:rPr lang="fr-FR" dirty="0" smtClean="0"/>
+              <a:t>cannettes ou </a:t>
+            </a:r>
+            <a:r>
+              <a:rPr lang="fr-FR" dirty="0" smtClean="0"/>
+              <a:t>36’000 </a:t>
+            </a:r>
+            <a:r>
+              <a:rPr lang="fr-FR" dirty="0" smtClean="0"/>
+              <a:t>bouteilles</a:t>
             </a:r>
             <a:endParaRPr lang="fr-FR" dirty="0"/>
           </a:p>

--- a/Livrables/Brewery and Co.pptx
+++ b/Livrables/Brewery and Co.pptx
@@ -2865,7 +2865,7 @@
           <a:p>
             <a:fld id="{76B3F2C8-1B63-984A-8C9D-2402B4577158}" type="datetimeFigureOut">
               <a:rPr lang="fr-FR" smtClean="0"/>
-              <a:t>28/06/2016</a:t>
+              <a:t>29/06/2016</a:t>
             </a:fld>
             <a:endParaRPr lang="fr-FR"/>
           </a:p>
@@ -3030,7 +3030,7 @@
           <a:p>
             <a:fld id="{FA4CF6AE-097E-314A-AF67-34E683B9D313}" type="datetimeFigureOut">
               <a:rPr lang="fr-FR" smtClean="0"/>
-              <a:t>28/06/2016</a:t>
+              <a:t>29/06/2016</a:t>
             </a:fld>
             <a:endParaRPr lang="fr-FR"/>
           </a:p>
@@ -9191,29 +9191,8 @@
             <a:pPr lvl="1"/>
             <a:r>
               <a:rPr lang="fr-FR" dirty="0" smtClean="0"/>
-              <a:t>Pour rappel : </a:t>
-            </a:r>
-            <a:r>
-              <a:rPr lang="fr-FR" dirty="0" smtClean="0"/>
-              <a:t>1’719 </a:t>
-            </a:r>
-            <a:r>
-              <a:rPr lang="fr-FR" dirty="0" smtClean="0"/>
-              <a:t>kilogrammes de matières </a:t>
-            </a:r>
-            <a:r>
-              <a:rPr lang="fr-FR" dirty="0" smtClean="0"/>
-              <a:t>première,  120 m3 d’eau </a:t>
-            </a:r>
-            <a:r>
-              <a:rPr lang="fr-FR" dirty="0" smtClean="0"/>
-              <a:t>et </a:t>
-            </a:r>
-            <a:r>
-              <a:rPr lang="fr-FR" dirty="0" smtClean="0"/>
-              <a:t>50’000 unités cannettes ou bouteilles</a:t>
-            </a:r>
-            <a:endParaRPr lang="fr-FR" dirty="0" smtClean="0"/>
+              <a:t>Pour rappel : 1’719 kilogrammes de matières première,  120 m3 d’eau et 50’000 unités cannettes ou bouteilles</a:t>
+            </a:r>
           </a:p>
           <a:p>
             <a:r>
@@ -9241,30 +9220,14 @@
             <a:pPr lvl="1"/>
             <a:r>
               <a:rPr lang="fr-FR" dirty="0" smtClean="0"/>
-              <a:t>10 </a:t>
-            </a:r>
+              <a:t>10 kilogrammes sont facturés à 100.- CHF/jour</a:t>
+            </a:r>
+          </a:p>
+          <a:p>
+            <a:pPr lvl="1"/>
             <a:r>
               <a:rPr lang="fr-FR" dirty="0" smtClean="0"/>
-              <a:t>kilogrammes sont facturés à </a:t>
-            </a:r>
-            <a:r>
-              <a:rPr lang="fr-FR" dirty="0" smtClean="0"/>
-              <a:t>100</a:t>
-            </a:r>
-            <a:r>
-              <a:rPr lang="fr-FR" dirty="0" smtClean="0"/>
-              <a:t>.- CHF/jour</a:t>
-            </a:r>
-          </a:p>
-          <a:p>
-            <a:pPr lvl="1"/>
-            <a:r>
-              <a:rPr lang="fr-FR" dirty="0" smtClean="0"/>
-              <a:t>12’000 </a:t>
-            </a:r>
-            <a:r>
-              <a:rPr lang="fr-FR" dirty="0" smtClean="0"/>
-              <a:t>unités sont facturées au prix de 200.- CHF/jour</a:t>
+              <a:t>12’000 unités sont facturées au prix de 200.- CHF/jour</a:t>
             </a:r>
             <a:endParaRPr lang="fr-FR" dirty="0"/>
           </a:p>
@@ -9375,26 +9338,14 @@
           <a:p>
             <a:r>
               <a:rPr lang="fr-FR" dirty="0" smtClean="0"/>
-              <a:t>Main d’œuvre directe </a:t>
-            </a:r>
+              <a:t>Main d’œuvre directe 1 personnes :</a:t>
+            </a:r>
+          </a:p>
+          <a:p>
+            <a:pPr lvl="1"/>
             <a:r>
               <a:rPr lang="fr-FR" dirty="0" smtClean="0"/>
-              <a:t>1 </a:t>
-            </a:r>
-            <a:r>
-              <a:rPr lang="fr-FR" dirty="0" smtClean="0"/>
-              <a:t>personnes :</a:t>
-            </a:r>
-          </a:p>
-          <a:p>
-            <a:pPr lvl="1"/>
-            <a:r>
-              <a:rPr lang="fr-FR" dirty="0" smtClean="0"/>
-              <a:t>Collaborateur responsable </a:t>
-            </a:r>
-            <a:r>
-              <a:rPr lang="fr-FR" dirty="0" smtClean="0"/>
-              <a:t>du bon fonctionnement des lignes de production (technique, révision et hygiène)</a:t>
+              <a:t>Collaborateur responsable du bon fonctionnement des lignes de production (technique, révision et hygiène)</a:t>
             </a:r>
           </a:p>
           <a:p>
@@ -9535,25 +9486,13 @@
             </a:r>
             <a:r>
               <a:rPr lang="fr-FR" dirty="0" smtClean="0"/>
-              <a:t>’000</a:t>
-            </a:r>
+              <a:t>’000.- CHF pour la main d’œuvre direct</a:t>
+            </a:r>
+          </a:p>
+          <a:p>
             <a:r>
               <a:rPr lang="fr-FR" dirty="0" smtClean="0"/>
-              <a:t>.- CHF pour la main d’œuvre direct</a:t>
-            </a:r>
-          </a:p>
-          <a:p>
-            <a:r>
-              <a:rPr lang="fr-FR" dirty="0" smtClean="0"/>
-              <a:t>30</a:t>
-            </a:r>
-            <a:r>
-              <a:rPr lang="fr-FR" dirty="0" smtClean="0"/>
-              <a:t>’000</a:t>
-            </a:r>
-            <a:r>
-              <a:rPr lang="fr-FR" dirty="0" smtClean="0"/>
-              <a:t>.- CHF pour les SG&amp;A (ventes, généraux et administratifs)</a:t>
+              <a:t>30’000.- CHF pour les SG&amp;A (ventes, généraux et administratifs)</a:t>
             </a:r>
           </a:p>
           <a:p>
@@ -17500,18 +17439,34 @@
             <a:pPr algn="ctr"/>
             <a:r>
               <a:rPr lang="fr-FR" dirty="0" smtClean="0"/>
-              <a:t>Round 1 – Hiver</a:t>
+              <a:t>Round 1 – </a:t>
+            </a:r>
+            <a:r>
+              <a:rPr lang="fr-FR" dirty="0" smtClean="0"/>
+              <a:t>Printemps</a:t>
+            </a:r>
+            <a:r>
+              <a:rPr lang="fr-FR" dirty="0" smtClean="0"/>
+              <a:t/>
             </a:r>
             <a:br>
               <a:rPr lang="fr-FR" dirty="0" smtClean="0"/>
             </a:br>
             <a:r>
               <a:rPr lang="fr-FR" dirty="0" smtClean="0"/>
-              <a:t>C’est parti jusqu’à la semaine </a:t>
+              <a:t>C’est </a:t>
+            </a:r>
+            <a:r>
+              <a:rPr lang="fr-FR" dirty="0" smtClean="0"/>
+              <a:t>parti, semaine 10 jusqu’à semaine </a:t>
+            </a:r>
+            <a:r>
+              <a:rPr lang="fr-CH" dirty="0"/>
+              <a:t>2</a:t>
             </a:r>
             <a:r>
               <a:rPr lang="fr-CH" dirty="0" smtClean="0"/>
-              <a:t>10</a:t>
+              <a:t>0</a:t>
             </a:r>
             <a:endParaRPr lang="fr-FR" dirty="0"/>
           </a:p>
@@ -17629,14 +17584,34 @@
             <a:pPr algn="ctr"/>
             <a:r>
               <a:rPr lang="fr-FR" dirty="0" smtClean="0"/>
-              <a:t>Round 2 – Printemps</a:t>
+              <a:t>Round 2 – </a:t>
+            </a:r>
+            <a:r>
+              <a:rPr lang="fr-FR" dirty="0"/>
+              <a:t>Été</a:t>
+            </a:r>
+            <a:r>
+              <a:rPr lang="fr-FR" dirty="0" smtClean="0"/>
+              <a:t/>
             </a:r>
             <a:br>
               <a:rPr lang="fr-FR" dirty="0" smtClean="0"/>
             </a:br>
             <a:r>
+              <a:rPr lang="fr-FR" dirty="0"/>
+              <a:t>C’est parti, semaine </a:t>
+            </a:r>
+            <a:r>
               <a:rPr lang="fr-FR" dirty="0" smtClean="0"/>
-              <a:t>C’est parti jusqu’à la semaine 20</a:t>
+              <a:t>20 </a:t>
+            </a:r>
+            <a:r>
+              <a:rPr lang="fr-FR" dirty="0"/>
+              <a:t>jusqu’à semaine </a:t>
+            </a:r>
+            <a:r>
+              <a:rPr lang="fr-CH" dirty="0" smtClean="0"/>
+              <a:t>30</a:t>
             </a:r>
             <a:endParaRPr lang="fr-FR" dirty="0"/>
           </a:p>
@@ -17754,18 +17729,34 @@
             <a:pPr algn="ctr"/>
             <a:r>
               <a:rPr lang="fr-FR" dirty="0" smtClean="0"/>
-              <a:t>Round 3 – Été</a:t>
+              <a:t>Round 3 – </a:t>
+            </a:r>
+            <a:r>
+              <a:rPr lang="fr-FR" dirty="0" smtClean="0"/>
+              <a:t>Automne</a:t>
+            </a:r>
+            <a:r>
+              <a:rPr lang="fr-FR" dirty="0" smtClean="0"/>
+              <a:t/>
             </a:r>
             <a:br>
               <a:rPr lang="fr-FR" dirty="0" smtClean="0"/>
             </a:br>
             <a:r>
+              <a:rPr lang="fr-FR" dirty="0"/>
+              <a:t>C’est parti, semaine </a:t>
+            </a:r>
+            <a:r>
               <a:rPr lang="fr-FR" dirty="0" smtClean="0"/>
-              <a:t>C’est parti jusqu’à la semaine </a:t>
+              <a:t>30 </a:t>
+            </a:r>
+            <a:r>
+              <a:rPr lang="fr-FR" dirty="0"/>
+              <a:t>jusqu’à semaine </a:t>
             </a:r>
             <a:r>
               <a:rPr lang="fr-CH" dirty="0" smtClean="0"/>
-              <a:t>30</a:t>
+              <a:t>40</a:t>
             </a:r>
             <a:endParaRPr lang="fr-FR" dirty="0"/>
           </a:p>
@@ -17883,18 +17874,34 @@
             <a:pPr algn="ctr"/>
             <a:r>
               <a:rPr lang="fr-FR" dirty="0" smtClean="0"/>
-              <a:t>Round 4 – Automne</a:t>
+              <a:t>Round 4 – </a:t>
+            </a:r>
+            <a:r>
+              <a:rPr lang="fr-FR" dirty="0" smtClean="0"/>
+              <a:t>Hiver</a:t>
+            </a:r>
+            <a:r>
+              <a:rPr lang="fr-FR" dirty="0" smtClean="0"/>
+              <a:t/>
             </a:r>
             <a:br>
               <a:rPr lang="fr-FR" dirty="0" smtClean="0"/>
             </a:br>
             <a:r>
+              <a:rPr lang="fr-FR" dirty="0"/>
+              <a:t>C’est parti, semaine </a:t>
+            </a:r>
+            <a:r>
               <a:rPr lang="fr-FR" dirty="0" smtClean="0"/>
-              <a:t>C’est parti jusqu’à la semaine </a:t>
+              <a:t>40 </a:t>
+            </a:r>
+            <a:r>
+              <a:rPr lang="fr-FR" dirty="0"/>
+              <a:t>jusqu’à semaine </a:t>
             </a:r>
             <a:r>
               <a:rPr lang="fr-CH" dirty="0" smtClean="0"/>
-              <a:t>40</a:t>
+              <a:t>08</a:t>
             </a:r>
             <a:endParaRPr lang="fr-FR" dirty="0"/>
           </a:p>
@@ -18820,13 +18827,8 @@
             <a:pPr lvl="1"/>
             <a:r>
               <a:rPr lang="fr-FR" dirty="0" smtClean="0"/>
-              <a:t>Valeur de </a:t>
-            </a:r>
-            <a:r>
-              <a:rPr lang="fr-FR" dirty="0" smtClean="0"/>
-              <a:t>450’000.-</a:t>
-            </a:r>
-            <a:endParaRPr lang="fr-FR" dirty="0" smtClean="0"/>
+              <a:t>Valeur de 450’000.-</a:t>
+            </a:r>
           </a:p>
           <a:p>
             <a:pPr lvl="1"/>
@@ -18834,28 +18836,18 @@
               <a:rPr lang="fr-FR" dirty="0" smtClean="0"/>
               <a:t>12’000 litres productibles mensuellement</a:t>
             </a:r>
-            <a:endParaRPr lang="fr-FR" dirty="0" smtClean="0"/>
           </a:p>
           <a:p>
             <a:r>
               <a:rPr lang="fr-CH" dirty="0" smtClean="0"/>
-              <a:t>Entrepôt </a:t>
-            </a:r>
+              <a:t>Entrepôt A</a:t>
+            </a:r>
+          </a:p>
+          <a:p>
+            <a:pPr lvl="1"/>
             <a:r>
               <a:rPr lang="fr-CH" dirty="0" smtClean="0"/>
-              <a:t>A</a:t>
-            </a:r>
-            <a:endParaRPr lang="fr-CH" dirty="0" smtClean="0"/>
-          </a:p>
-          <a:p>
-            <a:pPr lvl="1"/>
-            <a:r>
-              <a:rPr lang="fr-CH" dirty="0" smtClean="0"/>
-              <a:t>Une bassine d’eau pure de </a:t>
-            </a:r>
-            <a:r>
-              <a:rPr lang="fr-CH" dirty="0" smtClean="0"/>
-              <a:t>120 m</a:t>
+              <a:t>Une bassine d’eau pure de 120 m</a:t>
             </a:r>
             <a:r>
               <a:rPr lang="fr-CH" baseline="30000" dirty="0" smtClean="0"/>
@@ -18865,56 +18857,26 @@
               <a:rPr lang="fr-CH" dirty="0" smtClean="0"/>
               <a:t> </a:t>
             </a:r>
-            <a:endParaRPr lang="fr-CH" dirty="0" smtClean="0"/>
           </a:p>
           <a:p>
             <a:pPr lvl="1"/>
             <a:r>
               <a:rPr lang="fr-CH" dirty="0" smtClean="0"/>
-              <a:t>4 r</a:t>
-            </a:r>
+              <a:t>4 réceptacles à malts de 350 kg chaque</a:t>
+            </a:r>
+          </a:p>
+          <a:p>
+            <a:pPr lvl="1"/>
             <a:r>
               <a:rPr lang="fr-CH" dirty="0" smtClean="0"/>
-              <a:t>éceptacles </a:t>
-            </a:r>
+              <a:t>4 réceptacles à houblon de 6 kg chaque</a:t>
+            </a:r>
+          </a:p>
+          <a:p>
+            <a:pPr lvl="1"/>
             <a:r>
               <a:rPr lang="fr-CH" dirty="0" smtClean="0"/>
-              <a:t>à malts de </a:t>
-            </a:r>
-            <a:r>
-              <a:rPr lang="fr-CH" dirty="0" smtClean="0"/>
-              <a:t>350 kg chaque</a:t>
-            </a:r>
-            <a:endParaRPr lang="fr-CH" dirty="0" smtClean="0"/>
-          </a:p>
-          <a:p>
-            <a:pPr lvl="1"/>
-            <a:r>
-              <a:rPr lang="fr-CH" dirty="0" smtClean="0"/>
-              <a:t>4 réceptacles </a:t>
-            </a:r>
-            <a:r>
-              <a:rPr lang="fr-CH" dirty="0" smtClean="0"/>
-              <a:t>à houblon </a:t>
-            </a:r>
-            <a:r>
-              <a:rPr lang="fr-CH" dirty="0" smtClean="0"/>
-              <a:t>de 6 kg chaque</a:t>
-            </a:r>
-          </a:p>
-          <a:p>
-            <a:pPr lvl="1"/>
-            <a:r>
-              <a:rPr lang="fr-CH" dirty="0" smtClean="0"/>
-              <a:t>1 réceptacle </a:t>
-            </a:r>
-            <a:r>
-              <a:rPr lang="fr-CH" dirty="0" smtClean="0"/>
-              <a:t>à levure de </a:t>
-            </a:r>
-            <a:r>
-              <a:rPr lang="fr-CH" dirty="0" smtClean="0"/>
-              <a:t>70 kg</a:t>
+              <a:t>1 réceptacle à levure de 70 kg</a:t>
             </a:r>
           </a:p>
           <a:p>
@@ -18927,7 +18889,6 @@
               <a:rPr lang="fr-CH" dirty="0" smtClean="0"/>
               <a:t>kg</a:t>
             </a:r>
-            <a:endParaRPr lang="fr-CH" dirty="0" smtClean="0"/>
           </a:p>
           <a:p>
             <a:pPr lvl="1"/>
@@ -18942,14 +18903,12 @@
               <a:rPr lang="fr-CH" dirty="0" smtClean="0"/>
               <a:t>1 étagère permettant d’accueillir 25’000 récipients vides</a:t>
             </a:r>
-            <a:endParaRPr lang="fr-CH" dirty="0" smtClean="0"/>
           </a:p>
           <a:p>
             <a:r>
               <a:rPr lang="fr-CH" dirty="0" smtClean="0"/>
               <a:t>Entrepôt B d’une capacité de 50’000 unités</a:t>
             </a:r>
-            <a:endParaRPr lang="fr-CH" dirty="0" smtClean="0"/>
           </a:p>
           <a:p>
             <a:r>
@@ -19907,15 +19866,7 @@
           <a:p>
             <a:r>
               <a:rPr lang="fr-FR" dirty="0" smtClean="0"/>
-              <a:t>Chaque semaine vos lignes produisent </a:t>
-            </a:r>
-            <a:r>
-              <a:rPr lang="fr-FR" dirty="0" smtClean="0"/>
-              <a:t>3’000 </a:t>
-            </a:r>
-            <a:r>
-              <a:rPr lang="fr-FR" dirty="0" smtClean="0"/>
-              <a:t>litres de bière</a:t>
+              <a:t>Chaque semaine vos lignes produisent 3’000 litres de bière</a:t>
             </a:r>
           </a:p>
           <a:p>
@@ -19930,30 +19881,14 @@
             </a:r>
             <a:r>
               <a:rPr lang="fr-FR" dirty="0" smtClean="0"/>
-              <a:t>’000 </a:t>
-            </a:r>
+              <a:t>’000 litres</a:t>
+            </a:r>
+          </a:p>
+          <a:p>
+            <a:pPr lvl="1"/>
             <a:r>
               <a:rPr lang="fr-FR" dirty="0" smtClean="0"/>
-              <a:t>litres</a:t>
-            </a:r>
-          </a:p>
-          <a:p>
-            <a:pPr lvl="1"/>
-            <a:r>
-              <a:rPr lang="fr-FR" dirty="0" smtClean="0"/>
-              <a:t>18’000 </a:t>
-            </a:r>
-            <a:r>
-              <a:rPr lang="fr-FR" dirty="0" smtClean="0"/>
-              <a:t>cannettes ou </a:t>
-            </a:r>
-            <a:r>
-              <a:rPr lang="fr-FR" dirty="0" smtClean="0"/>
-              <a:t>36’000 </a:t>
-            </a:r>
-            <a:r>
-              <a:rPr lang="fr-FR" dirty="0" smtClean="0"/>
-              <a:t>bouteilles</a:t>
+              <a:t>18’000 cannettes ou 36’000 bouteilles</a:t>
             </a:r>
             <a:endParaRPr lang="fr-FR" dirty="0"/>
           </a:p>

--- a/Livrables/Brewery and Co.pptx
+++ b/Livrables/Brewery and Co.pptx
@@ -2865,7 +2865,7 @@
           <a:p>
             <a:fld id="{76B3F2C8-1B63-984A-8C9D-2402B4577158}" type="datetimeFigureOut">
               <a:rPr lang="fr-FR" smtClean="0"/>
-              <a:t>29/06/2016</a:t>
+              <a:t>06/07/2016</a:t>
             </a:fld>
             <a:endParaRPr lang="fr-FR"/>
           </a:p>
@@ -3030,7 +3030,7 @@
           <a:p>
             <a:fld id="{FA4CF6AE-097E-314A-AF67-34E683B9D313}" type="datetimeFigureOut">
               <a:rPr lang="fr-FR" smtClean="0"/>
-              <a:t>29/06/2016</a:t>
+              <a:t>06/07/2016</a:t>
             </a:fld>
             <a:endParaRPr lang="fr-FR"/>
           </a:p>
@@ -3608,7 +3608,7 @@
           <a:bodyPr/>
           <a:lstStyle/>
           <a:p>
-            <a:endParaRPr lang="fr-FR" dirty="0"/>
+            <a:endParaRPr lang="fr-FR"/>
           </a:p>
         </p:txBody>
       </p:sp>
@@ -3629,7 +3629,7 @@
           <a:p>
             <a:fld id="{42134E25-4EDC-7B49-A73D-488B38A7188F}" type="slidenum">
               <a:rPr lang="fr-FR" smtClean="0"/>
-              <a:t>15</a:t>
+              <a:t>13</a:t>
             </a:fld>
             <a:endParaRPr lang="fr-FR"/>
           </a:p>
@@ -3638,7 +3638,7 @@
     </p:spTree>
     <p:extLst>
       <p:ext uri="{BB962C8B-B14F-4D97-AF65-F5344CB8AC3E}">
-        <p14:creationId xmlns:p14="http://schemas.microsoft.com/office/powerpoint/2010/main" val="1924919450"/>
+        <p14:creationId xmlns:p14="http://schemas.microsoft.com/office/powerpoint/2010/main" val="1061262385"/>
       </p:ext>
     </p:extLst>
   </p:cSld>
@@ -3692,222 +3692,6 @@
           <a:bodyPr/>
           <a:lstStyle/>
           <a:p>
-            <a:pPr rtl="0" eaLnBrk="1" fontAlgn="t" latinLnBrk="0" hangingPunct="1"/>
-            <a:r>
-              <a:rPr lang="fr-FR" sz="1200" b="1" i="0" u="none" strike="noStrike" kern="1200" dirty="0" smtClean="0">
-                <a:solidFill>
-                  <a:schemeClr val="tx1"/>
-                </a:solidFill>
-                <a:effectLst/>
-                <a:latin typeface="+mn-lt"/>
-                <a:ea typeface="+mn-ea"/>
-                <a:cs typeface="+mn-cs"/>
-              </a:rPr>
-              <a:t>Total matières (kg)</a:t>
-            </a:r>
-            <a:endParaRPr lang="fr-FR" sz="1200" b="0" i="0" u="none" strike="noStrike" kern="1200" dirty="0" smtClean="0">
-              <a:solidFill>
-                <a:schemeClr val="tx1"/>
-              </a:solidFill>
-              <a:effectLst/>
-              <a:latin typeface="+mn-lt"/>
-              <a:ea typeface="+mn-ea"/>
-              <a:cs typeface="+mn-cs"/>
-            </a:endParaRPr>
-          </a:p>
-          <a:p>
-            <a:pPr rtl="0" eaLnBrk="1" fontAlgn="t" latinLnBrk="0" hangingPunct="1"/>
-            <a:r>
-              <a:rPr lang="fr-FR" sz="1200" b="1" i="0" u="none" strike="noStrike" kern="1200" dirty="0" smtClean="0">
-                <a:solidFill>
-                  <a:schemeClr val="tx1"/>
-                </a:solidFill>
-                <a:effectLst/>
-                <a:latin typeface="+mn-lt"/>
-                <a:ea typeface="+mn-ea"/>
-                <a:cs typeface="+mn-cs"/>
-              </a:rPr>
-              <a:t>Bw01</a:t>
-            </a:r>
-            <a:r>
-              <a:rPr lang="fr-FR" sz="1200" b="1" i="0" u="none" strike="noStrike" kern="1200" baseline="0" dirty="0" smtClean="0">
-                <a:solidFill>
-                  <a:schemeClr val="tx1"/>
-                </a:solidFill>
-                <a:effectLst/>
-                <a:latin typeface="+mn-lt"/>
-                <a:ea typeface="+mn-ea"/>
-                <a:cs typeface="+mn-cs"/>
-              </a:rPr>
-              <a:t> : </a:t>
-            </a:r>
-            <a:r>
-              <a:rPr lang="fr-FR" sz="1200" b="1" i="0" u="none" strike="noStrike" kern="1200" dirty="0" smtClean="0">
-                <a:solidFill>
-                  <a:schemeClr val="tx1"/>
-                </a:solidFill>
-                <a:effectLst/>
-                <a:latin typeface="+mn-lt"/>
-                <a:ea typeface="+mn-ea"/>
-                <a:cs typeface="+mn-cs"/>
-              </a:rPr>
-              <a:t>4’552 kg</a:t>
-            </a:r>
-            <a:endParaRPr lang="fr-FR" sz="1200" b="0" i="0" u="none" strike="noStrike" kern="1200" dirty="0" smtClean="0">
-              <a:solidFill>
-                <a:schemeClr val="tx1"/>
-              </a:solidFill>
-              <a:effectLst/>
-              <a:latin typeface="+mn-lt"/>
-              <a:ea typeface="+mn-ea"/>
-              <a:cs typeface="+mn-cs"/>
-            </a:endParaRPr>
-          </a:p>
-          <a:p>
-            <a:pPr rtl="0" eaLnBrk="1" fontAlgn="t" latinLnBrk="0" hangingPunct="1"/>
-            <a:r>
-              <a:rPr lang="fr-FR" sz="1200" b="1" i="0" u="none" strike="noStrike" kern="1200" dirty="0" err="1" smtClean="0">
-                <a:solidFill>
-                  <a:schemeClr val="tx1"/>
-                </a:solidFill>
-                <a:effectLst/>
-                <a:latin typeface="+mn-lt"/>
-                <a:ea typeface="+mn-ea"/>
-                <a:cs typeface="+mn-cs"/>
-              </a:rPr>
-              <a:t>Bw</a:t>
-            </a:r>
-            <a:r>
-              <a:rPr lang="fr-FR" sz="1200" b="1" i="0" u="none" strike="noStrike" kern="1200" dirty="0" smtClean="0">
-                <a:solidFill>
-                  <a:schemeClr val="tx1"/>
-                </a:solidFill>
-                <a:effectLst/>
-                <a:latin typeface="+mn-lt"/>
-                <a:ea typeface="+mn-ea"/>
-                <a:cs typeface="+mn-cs"/>
-              </a:rPr>
-              <a:t> 02: 4’752</a:t>
-            </a:r>
-            <a:endParaRPr lang="fr-FR" sz="1200" b="0" i="0" u="none" strike="noStrike" kern="1200" dirty="0" smtClean="0">
-              <a:solidFill>
-                <a:schemeClr val="tx1"/>
-              </a:solidFill>
-              <a:effectLst/>
-              <a:latin typeface="+mn-lt"/>
-              <a:ea typeface="+mn-ea"/>
-              <a:cs typeface="+mn-cs"/>
-            </a:endParaRPr>
-          </a:p>
-          <a:p>
-            <a:pPr rtl="0" eaLnBrk="1" fontAlgn="t" latinLnBrk="0" hangingPunct="1"/>
-            <a:r>
-              <a:rPr lang="fr-FR" sz="1200" b="1" i="0" u="none" strike="noStrike" kern="1200" dirty="0" err="1" smtClean="0">
-                <a:solidFill>
-                  <a:schemeClr val="tx1"/>
-                </a:solidFill>
-                <a:effectLst/>
-                <a:latin typeface="+mn-lt"/>
-                <a:ea typeface="+mn-ea"/>
-                <a:cs typeface="+mn-cs"/>
-              </a:rPr>
-              <a:t>Bw</a:t>
-            </a:r>
-            <a:r>
-              <a:rPr lang="fr-FR" sz="1200" b="1" i="0" u="none" strike="noStrike" kern="1200" dirty="0" smtClean="0">
-                <a:solidFill>
-                  <a:schemeClr val="tx1"/>
-                </a:solidFill>
-                <a:effectLst/>
-                <a:latin typeface="+mn-lt"/>
-                <a:ea typeface="+mn-ea"/>
-                <a:cs typeface="+mn-cs"/>
-              </a:rPr>
-              <a:t> 03</a:t>
-            </a:r>
-            <a:r>
-              <a:rPr lang="fr-FR" sz="1200" b="1" i="0" u="none" strike="noStrike" kern="1200" baseline="0" dirty="0" smtClean="0">
-                <a:solidFill>
-                  <a:schemeClr val="tx1"/>
-                </a:solidFill>
-                <a:effectLst/>
-                <a:latin typeface="+mn-lt"/>
-                <a:ea typeface="+mn-ea"/>
-                <a:cs typeface="+mn-cs"/>
-              </a:rPr>
-              <a:t> : </a:t>
-            </a:r>
-            <a:r>
-              <a:rPr lang="fr-FR" sz="1200" b="1" i="0" u="none" strike="noStrike" kern="1200" dirty="0" smtClean="0">
-                <a:solidFill>
-                  <a:schemeClr val="tx1"/>
-                </a:solidFill>
-                <a:effectLst/>
-                <a:latin typeface="+mn-lt"/>
-                <a:ea typeface="+mn-ea"/>
-                <a:cs typeface="+mn-cs"/>
-              </a:rPr>
-              <a:t>4’552 kg</a:t>
-            </a:r>
-            <a:endParaRPr lang="fr-FR" sz="1200" b="0" i="0" u="none" strike="noStrike" kern="1200" dirty="0" smtClean="0">
-              <a:solidFill>
-                <a:schemeClr val="tx1"/>
-              </a:solidFill>
-              <a:effectLst/>
-              <a:latin typeface="+mn-lt"/>
-              <a:ea typeface="+mn-ea"/>
-              <a:cs typeface="+mn-cs"/>
-            </a:endParaRPr>
-          </a:p>
-          <a:p>
-            <a:pPr rtl="0" eaLnBrk="1" fontAlgn="t" latinLnBrk="0" hangingPunct="1"/>
-            <a:r>
-              <a:rPr lang="fr-FR" sz="1200" b="1" i="0" u="none" strike="noStrike" kern="1200" dirty="0" err="1" smtClean="0">
-                <a:solidFill>
-                  <a:schemeClr val="tx1"/>
-                </a:solidFill>
-                <a:effectLst/>
-                <a:latin typeface="+mn-lt"/>
-                <a:ea typeface="+mn-ea"/>
-                <a:cs typeface="+mn-cs"/>
-              </a:rPr>
-              <a:t>Bw</a:t>
-            </a:r>
-            <a:r>
-              <a:rPr lang="fr-FR" sz="1200" b="1" i="0" u="none" strike="noStrike" kern="1200" dirty="0" smtClean="0">
-                <a:solidFill>
-                  <a:schemeClr val="tx1"/>
-                </a:solidFill>
-                <a:effectLst/>
-                <a:latin typeface="+mn-lt"/>
-                <a:ea typeface="+mn-ea"/>
-                <a:cs typeface="+mn-cs"/>
-              </a:rPr>
-              <a:t> 04 : 4’952</a:t>
-            </a:r>
-            <a:r>
-              <a:rPr lang="fr-FR" sz="1200" b="1" i="0" u="none" strike="noStrike" kern="1200" baseline="0" dirty="0" smtClean="0">
-                <a:solidFill>
-                  <a:schemeClr val="tx1"/>
-                </a:solidFill>
-                <a:effectLst/>
-                <a:latin typeface="+mn-lt"/>
-                <a:ea typeface="+mn-ea"/>
-                <a:cs typeface="+mn-cs"/>
-              </a:rPr>
-              <a:t> kg</a:t>
-            </a:r>
-            <a:endParaRPr lang="fr-FR" sz="1200" b="0" i="0" u="none" strike="noStrike" kern="1200" dirty="0" smtClean="0">
-              <a:solidFill>
-                <a:schemeClr val="tx1"/>
-              </a:solidFill>
-              <a:effectLst/>
-              <a:latin typeface="+mn-lt"/>
-              <a:ea typeface="+mn-ea"/>
-              <a:cs typeface="+mn-cs"/>
-            </a:endParaRPr>
-          </a:p>
-          <a:p>
             <a:endParaRPr lang="fr-FR" dirty="0"/>
           </a:p>
         </p:txBody>
@@ -3929,7 +3713,7 @@
           <a:p>
             <a:fld id="{42134E25-4EDC-7B49-A73D-488B38A7188F}" type="slidenum">
               <a:rPr lang="fr-FR" smtClean="0"/>
-              <a:t>17</a:t>
+              <a:t>15</a:t>
             </a:fld>
             <a:endParaRPr lang="fr-FR"/>
           </a:p>
@@ -3938,7 +3722,7 @@
     </p:spTree>
     <p:extLst>
       <p:ext uri="{BB962C8B-B14F-4D97-AF65-F5344CB8AC3E}">
-        <p14:creationId xmlns:p14="http://schemas.microsoft.com/office/powerpoint/2010/main" val="1557591299"/>
+        <p14:creationId xmlns:p14="http://schemas.microsoft.com/office/powerpoint/2010/main" val="1924919450"/>
       </p:ext>
     </p:extLst>
   </p:cSld>
@@ -3992,6 +3776,306 @@
           <a:bodyPr/>
           <a:lstStyle/>
           <a:p>
+            <a:pPr rtl="0" eaLnBrk="1" fontAlgn="t" latinLnBrk="0" hangingPunct="1"/>
+            <a:r>
+              <a:rPr lang="fr-FR" sz="1200" b="1" i="0" u="none" strike="noStrike" kern="1200" dirty="0" smtClean="0">
+                <a:solidFill>
+                  <a:schemeClr val="tx1"/>
+                </a:solidFill>
+                <a:effectLst/>
+                <a:latin typeface="+mn-lt"/>
+                <a:ea typeface="+mn-ea"/>
+                <a:cs typeface="+mn-cs"/>
+              </a:rPr>
+              <a:t>Total matières (kg)</a:t>
+            </a:r>
+            <a:endParaRPr lang="fr-FR" sz="1200" b="0" i="0" u="none" strike="noStrike" kern="1200" dirty="0" smtClean="0">
+              <a:solidFill>
+                <a:schemeClr val="tx1"/>
+              </a:solidFill>
+              <a:effectLst/>
+              <a:latin typeface="+mn-lt"/>
+              <a:ea typeface="+mn-ea"/>
+              <a:cs typeface="+mn-cs"/>
+            </a:endParaRPr>
+          </a:p>
+          <a:p>
+            <a:pPr rtl="0" eaLnBrk="1" fontAlgn="t" latinLnBrk="0" hangingPunct="1"/>
+            <a:r>
+              <a:rPr lang="fr-FR" sz="1200" b="1" i="0" u="none" strike="noStrike" kern="1200" dirty="0" smtClean="0">
+                <a:solidFill>
+                  <a:schemeClr val="tx1"/>
+                </a:solidFill>
+                <a:effectLst/>
+                <a:latin typeface="+mn-lt"/>
+                <a:ea typeface="+mn-ea"/>
+                <a:cs typeface="+mn-cs"/>
+              </a:rPr>
+              <a:t>Bw01</a:t>
+            </a:r>
+            <a:r>
+              <a:rPr lang="fr-FR" sz="1200" b="1" i="0" u="none" strike="noStrike" kern="1200" baseline="0" dirty="0" smtClean="0">
+                <a:solidFill>
+                  <a:schemeClr val="tx1"/>
+                </a:solidFill>
+                <a:effectLst/>
+                <a:latin typeface="+mn-lt"/>
+                <a:ea typeface="+mn-ea"/>
+                <a:cs typeface="+mn-cs"/>
+              </a:rPr>
+              <a:t> : </a:t>
+            </a:r>
+            <a:r>
+              <a:rPr lang="fr-FR" sz="1200" b="1" i="0" u="none" strike="noStrike" kern="1200" dirty="0" smtClean="0">
+                <a:solidFill>
+                  <a:schemeClr val="tx1"/>
+                </a:solidFill>
+                <a:effectLst/>
+                <a:latin typeface="+mn-lt"/>
+                <a:ea typeface="+mn-ea"/>
+                <a:cs typeface="+mn-cs"/>
+              </a:rPr>
+              <a:t>4’552 kg</a:t>
+            </a:r>
+            <a:endParaRPr lang="fr-FR" sz="1200" b="0" i="0" u="none" strike="noStrike" kern="1200" dirty="0" smtClean="0">
+              <a:solidFill>
+                <a:schemeClr val="tx1"/>
+              </a:solidFill>
+              <a:effectLst/>
+              <a:latin typeface="+mn-lt"/>
+              <a:ea typeface="+mn-ea"/>
+              <a:cs typeface="+mn-cs"/>
+            </a:endParaRPr>
+          </a:p>
+          <a:p>
+            <a:pPr rtl="0" eaLnBrk="1" fontAlgn="t" latinLnBrk="0" hangingPunct="1"/>
+            <a:r>
+              <a:rPr lang="fr-FR" sz="1200" b="1" i="0" u="none" strike="noStrike" kern="1200" dirty="0" err="1" smtClean="0">
+                <a:solidFill>
+                  <a:schemeClr val="tx1"/>
+                </a:solidFill>
+                <a:effectLst/>
+                <a:latin typeface="+mn-lt"/>
+                <a:ea typeface="+mn-ea"/>
+                <a:cs typeface="+mn-cs"/>
+              </a:rPr>
+              <a:t>Bw</a:t>
+            </a:r>
+            <a:r>
+              <a:rPr lang="fr-FR" sz="1200" b="1" i="0" u="none" strike="noStrike" kern="1200" dirty="0" smtClean="0">
+                <a:solidFill>
+                  <a:schemeClr val="tx1"/>
+                </a:solidFill>
+                <a:effectLst/>
+                <a:latin typeface="+mn-lt"/>
+                <a:ea typeface="+mn-ea"/>
+                <a:cs typeface="+mn-cs"/>
+              </a:rPr>
+              <a:t> 02: 4’752</a:t>
+            </a:r>
+            <a:endParaRPr lang="fr-FR" sz="1200" b="0" i="0" u="none" strike="noStrike" kern="1200" dirty="0" smtClean="0">
+              <a:solidFill>
+                <a:schemeClr val="tx1"/>
+              </a:solidFill>
+              <a:effectLst/>
+              <a:latin typeface="+mn-lt"/>
+              <a:ea typeface="+mn-ea"/>
+              <a:cs typeface="+mn-cs"/>
+            </a:endParaRPr>
+          </a:p>
+          <a:p>
+            <a:pPr rtl="0" eaLnBrk="1" fontAlgn="t" latinLnBrk="0" hangingPunct="1"/>
+            <a:r>
+              <a:rPr lang="fr-FR" sz="1200" b="1" i="0" u="none" strike="noStrike" kern="1200" dirty="0" err="1" smtClean="0">
+                <a:solidFill>
+                  <a:schemeClr val="tx1"/>
+                </a:solidFill>
+                <a:effectLst/>
+                <a:latin typeface="+mn-lt"/>
+                <a:ea typeface="+mn-ea"/>
+                <a:cs typeface="+mn-cs"/>
+              </a:rPr>
+              <a:t>Bw</a:t>
+            </a:r>
+            <a:r>
+              <a:rPr lang="fr-FR" sz="1200" b="1" i="0" u="none" strike="noStrike" kern="1200" dirty="0" smtClean="0">
+                <a:solidFill>
+                  <a:schemeClr val="tx1"/>
+                </a:solidFill>
+                <a:effectLst/>
+                <a:latin typeface="+mn-lt"/>
+                <a:ea typeface="+mn-ea"/>
+                <a:cs typeface="+mn-cs"/>
+              </a:rPr>
+              <a:t> 03</a:t>
+            </a:r>
+            <a:r>
+              <a:rPr lang="fr-FR" sz="1200" b="1" i="0" u="none" strike="noStrike" kern="1200" baseline="0" dirty="0" smtClean="0">
+                <a:solidFill>
+                  <a:schemeClr val="tx1"/>
+                </a:solidFill>
+                <a:effectLst/>
+                <a:latin typeface="+mn-lt"/>
+                <a:ea typeface="+mn-ea"/>
+                <a:cs typeface="+mn-cs"/>
+              </a:rPr>
+              <a:t> : </a:t>
+            </a:r>
+            <a:r>
+              <a:rPr lang="fr-FR" sz="1200" b="1" i="0" u="none" strike="noStrike" kern="1200" dirty="0" smtClean="0">
+                <a:solidFill>
+                  <a:schemeClr val="tx1"/>
+                </a:solidFill>
+                <a:effectLst/>
+                <a:latin typeface="+mn-lt"/>
+                <a:ea typeface="+mn-ea"/>
+                <a:cs typeface="+mn-cs"/>
+              </a:rPr>
+              <a:t>4’552 kg</a:t>
+            </a:r>
+            <a:endParaRPr lang="fr-FR" sz="1200" b="0" i="0" u="none" strike="noStrike" kern="1200" dirty="0" smtClean="0">
+              <a:solidFill>
+                <a:schemeClr val="tx1"/>
+              </a:solidFill>
+              <a:effectLst/>
+              <a:latin typeface="+mn-lt"/>
+              <a:ea typeface="+mn-ea"/>
+              <a:cs typeface="+mn-cs"/>
+            </a:endParaRPr>
+          </a:p>
+          <a:p>
+            <a:pPr rtl="0" eaLnBrk="1" fontAlgn="t" latinLnBrk="0" hangingPunct="1"/>
+            <a:r>
+              <a:rPr lang="fr-FR" sz="1200" b="1" i="0" u="none" strike="noStrike" kern="1200" dirty="0" err="1" smtClean="0">
+                <a:solidFill>
+                  <a:schemeClr val="tx1"/>
+                </a:solidFill>
+                <a:effectLst/>
+                <a:latin typeface="+mn-lt"/>
+                <a:ea typeface="+mn-ea"/>
+                <a:cs typeface="+mn-cs"/>
+              </a:rPr>
+              <a:t>Bw</a:t>
+            </a:r>
+            <a:r>
+              <a:rPr lang="fr-FR" sz="1200" b="1" i="0" u="none" strike="noStrike" kern="1200" dirty="0" smtClean="0">
+                <a:solidFill>
+                  <a:schemeClr val="tx1"/>
+                </a:solidFill>
+                <a:effectLst/>
+                <a:latin typeface="+mn-lt"/>
+                <a:ea typeface="+mn-ea"/>
+                <a:cs typeface="+mn-cs"/>
+              </a:rPr>
+              <a:t> 04 : 4’952</a:t>
+            </a:r>
+            <a:r>
+              <a:rPr lang="fr-FR" sz="1200" b="1" i="0" u="none" strike="noStrike" kern="1200" baseline="0" dirty="0" smtClean="0">
+                <a:solidFill>
+                  <a:schemeClr val="tx1"/>
+                </a:solidFill>
+                <a:effectLst/>
+                <a:latin typeface="+mn-lt"/>
+                <a:ea typeface="+mn-ea"/>
+                <a:cs typeface="+mn-cs"/>
+              </a:rPr>
+              <a:t> kg</a:t>
+            </a:r>
+            <a:endParaRPr lang="fr-FR" sz="1200" b="0" i="0" u="none" strike="noStrike" kern="1200" dirty="0" smtClean="0">
+              <a:solidFill>
+                <a:schemeClr val="tx1"/>
+              </a:solidFill>
+              <a:effectLst/>
+              <a:latin typeface="+mn-lt"/>
+              <a:ea typeface="+mn-ea"/>
+              <a:cs typeface="+mn-cs"/>
+            </a:endParaRPr>
+          </a:p>
+          <a:p>
+            <a:endParaRPr lang="fr-FR" dirty="0"/>
+          </a:p>
+        </p:txBody>
+      </p:sp>
+      <p:sp>
+        <p:nvSpPr>
+          <p:cNvPr id="4" name="Espace réservé du numéro de diapositive 3"/>
+          <p:cNvSpPr>
+            <a:spLocks noGrp="1"/>
+          </p:cNvSpPr>
+          <p:nvPr>
+            <p:ph type="sldNum" sz="quarter" idx="10"/>
+          </p:nvPr>
+        </p:nvSpPr>
+        <p:spPr/>
+        <p:txBody>
+          <a:bodyPr/>
+          <a:lstStyle/>
+          <a:p>
+            <a:fld id="{42134E25-4EDC-7B49-A73D-488B38A7188F}" type="slidenum">
+              <a:rPr lang="fr-FR" smtClean="0"/>
+              <a:t>17</a:t>
+            </a:fld>
+            <a:endParaRPr lang="fr-FR"/>
+          </a:p>
+        </p:txBody>
+      </p:sp>
+    </p:spTree>
+    <p:extLst>
+      <p:ext uri="{BB962C8B-B14F-4D97-AF65-F5344CB8AC3E}">
+        <p14:creationId xmlns:p14="http://schemas.microsoft.com/office/powerpoint/2010/main" val="1557591299"/>
+      </p:ext>
+    </p:extLst>
+  </p:cSld>
+  <p:clrMapOvr>
+    <a:masterClrMapping/>
+  </p:clrMapOvr>
+</p:notes>
+</file>
+
+<file path=ppt/notesSlides/notesSlide7.xml><?xml version="1.0" encoding="utf-8"?>
+<p:notes xmlns:a="http://schemas.openxmlformats.org/drawingml/2006/main" xmlns:r="http://schemas.openxmlformats.org/officeDocument/2006/relationships" xmlns:p="http://schemas.openxmlformats.org/presentationml/2006/main">
+  <p:cSld>
+    <p:spTree>
+      <p:nvGrpSpPr>
+        <p:cNvPr id="1" name=""/>
+        <p:cNvGrpSpPr/>
+        <p:nvPr/>
+      </p:nvGrpSpPr>
+      <p:grpSpPr>
+        <a:xfrm>
+          <a:off x="0" y="0"/>
+          <a:ext cx="0" cy="0"/>
+          <a:chOff x="0" y="0"/>
+          <a:chExt cx="0" cy="0"/>
+        </a:xfrm>
+      </p:grpSpPr>
+      <p:sp>
+        <p:nvSpPr>
+          <p:cNvPr id="2" name="Espace réservé de l’image des diapositives 1"/>
+          <p:cNvSpPr>
+            <a:spLocks noGrp="1" noRot="1" noChangeAspect="1"/>
+          </p:cNvSpPr>
+          <p:nvPr>
+            <p:ph type="sldImg"/>
+          </p:nvPr>
+        </p:nvSpPr>
+        <p:spPr/>
+      </p:sp>
+      <p:sp>
+        <p:nvSpPr>
+          <p:cNvPr id="3" name="Espace réservé des commentaires 2"/>
+          <p:cNvSpPr>
+            <a:spLocks noGrp="1"/>
+          </p:cNvSpPr>
+          <p:nvPr>
+            <p:ph type="body" idx="1"/>
+          </p:nvPr>
+        </p:nvSpPr>
+        <p:spPr/>
+        <p:txBody>
+          <a:bodyPr/>
+          <a:lstStyle/>
+          <a:p>
             <a:pPr lvl="1"/>
             <a:r>
               <a:rPr lang="fr-FR" dirty="0" smtClean="0"/>
@@ -4096,7 +4180,7 @@
 </p:notes>
 </file>
 
-<file path=ppt/notesSlides/notesSlide7.xml><?xml version="1.0" encoding="utf-8"?>
+<file path=ppt/notesSlides/notesSlide8.xml><?xml version="1.0" encoding="utf-8"?>
 <p:notes xmlns:a="http://schemas.openxmlformats.org/drawingml/2006/main" xmlns:r="http://schemas.openxmlformats.org/officeDocument/2006/relationships" xmlns:p="http://schemas.openxmlformats.org/presentationml/2006/main">
   <p:cSld>
     <p:spTree>
@@ -7984,7 +8068,7 @@
           </p:nvPr>
         </p:nvPicPr>
         <p:blipFill>
-          <a:blip r:embed="rId2">
+          <a:blip r:embed="rId3">
             <a:extLst>
               <a:ext uri="{28A0092B-C50C-407E-A947-70E740481C1C}">
                 <a14:useLocalDpi xmlns:a14="http://schemas.microsoft.com/office/drawing/2010/main" val="0"/>
@@ -9038,8 +9122,16 @@
                   </a:schemeClr>
                 </a:solidFill>
               </a:rPr>
-              <a:t>30%</a:t>
-            </a:r>
+              <a:t>35%</a:t>
+            </a:r>
+            <a:endParaRPr lang="fr-FR" sz="2800" b="1" dirty="0" smtClean="0">
+              <a:solidFill>
+                <a:schemeClr val="tx1">
+                  <a:lumMod val="50000"/>
+                  <a:lumOff val="50000"/>
+                </a:schemeClr>
+              </a:solidFill>
+            </a:endParaRPr>
           </a:p>
         </p:txBody>
       </p:sp>
@@ -17439,26 +17531,14 @@
             <a:pPr algn="ctr"/>
             <a:r>
               <a:rPr lang="fr-FR" dirty="0" smtClean="0"/>
-              <a:t>Round 1 – </a:t>
-            </a:r>
-            <a:r>
-              <a:rPr lang="fr-FR" dirty="0" smtClean="0"/>
-              <a:t>Printemps</a:t>
-            </a:r>
-            <a:r>
-              <a:rPr lang="fr-FR" dirty="0" smtClean="0"/>
-              <a:t/>
+              <a:t>Round 1 – Printemps</a:t>
             </a:r>
             <a:br>
               <a:rPr lang="fr-FR" dirty="0" smtClean="0"/>
             </a:br>
             <a:r>
               <a:rPr lang="fr-FR" dirty="0" smtClean="0"/>
-              <a:t>C’est </a:t>
-            </a:r>
-            <a:r>
-              <a:rPr lang="fr-FR" dirty="0" smtClean="0"/>
-              <a:t>parti, semaine 10 jusqu’à semaine </a:t>
+              <a:t>C’est parti, semaine 10 jusqu’à semaine </a:t>
             </a:r>
             <a:r>
               <a:rPr lang="fr-CH" dirty="0"/>
@@ -17729,15 +17809,7 @@
             <a:pPr algn="ctr"/>
             <a:r>
               <a:rPr lang="fr-FR" dirty="0" smtClean="0"/>
-              <a:t>Round 3 – </a:t>
-            </a:r>
-            <a:r>
-              <a:rPr lang="fr-FR" dirty="0" smtClean="0"/>
-              <a:t>Automne</a:t>
-            </a:r>
-            <a:r>
-              <a:rPr lang="fr-FR" dirty="0" smtClean="0"/>
-              <a:t/>
+              <a:t>Round 3 – Automne</a:t>
             </a:r>
             <a:br>
               <a:rPr lang="fr-FR" dirty="0" smtClean="0"/>
@@ -17874,15 +17946,7 @@
             <a:pPr algn="ctr"/>
             <a:r>
               <a:rPr lang="fr-FR" dirty="0" smtClean="0"/>
-              <a:t>Round 4 – </a:t>
-            </a:r>
-            <a:r>
-              <a:rPr lang="fr-FR" dirty="0" smtClean="0"/>
-              <a:t>Hiver</a:t>
-            </a:r>
-            <a:r>
-              <a:rPr lang="fr-FR" dirty="0" smtClean="0"/>
-              <a:t/>
+              <a:t>Round 4 – Hiver</a:t>
             </a:r>
             <a:br>
               <a:rPr lang="fr-FR" dirty="0" smtClean="0"/>
